--- a/WebContent/WEB-INF/templates/Shivaratri2016/master.pptx
+++ b/WebContent/WEB-INF/templates/Shivaratri2016/master.pptx
@@ -296,7 +296,7 @@
                 <a:latin typeface="Calibri"/>
               </a:rPr>
               <a:pPr/>
-              <a:t>26/02/16</a:t>
+              <a:t>27/02/16</a:t>
             </a:fld>
             <a:endParaRPr lang="en-US">
               <a:solidFill>
@@ -503,7 +503,7 @@
                 <a:latin typeface="Calibri"/>
               </a:rPr>
               <a:pPr/>
-              <a:t>26/02/16</a:t>
+              <a:t>27/02/16</a:t>
             </a:fld>
             <a:endParaRPr lang="en-US">
               <a:solidFill>
@@ -720,7 +720,7 @@
                 <a:latin typeface="Calibri"/>
               </a:rPr>
               <a:pPr/>
-              <a:t>26/02/16</a:t>
+              <a:t>27/02/16</a:t>
             </a:fld>
             <a:endParaRPr lang="en-US">
               <a:solidFill>
@@ -927,7 +927,7 @@
                 <a:latin typeface="Calibri"/>
               </a:rPr>
               <a:pPr/>
-              <a:t>26/02/16</a:t>
+              <a:t>27/02/16</a:t>
             </a:fld>
             <a:endParaRPr lang="en-US">
               <a:solidFill>
@@ -1210,7 +1210,7 @@
                 <a:latin typeface="Calibri"/>
               </a:rPr>
               <a:pPr/>
-              <a:t>26/02/16</a:t>
+              <a:t>27/02/16</a:t>
             </a:fld>
             <a:endParaRPr lang="en-US">
               <a:solidFill>
@@ -1535,7 +1535,7 @@
                 <a:latin typeface="Calibri"/>
               </a:rPr>
               <a:pPr/>
-              <a:t>26/02/16</a:t>
+              <a:t>27/02/16</a:t>
             </a:fld>
             <a:endParaRPr lang="en-US">
               <a:solidFill>
@@ -1994,7 +1994,7 @@
                 <a:latin typeface="Calibri"/>
               </a:rPr>
               <a:pPr/>
-              <a:t>26/02/16</a:t>
+              <a:t>27/02/16</a:t>
             </a:fld>
             <a:endParaRPr lang="en-US">
               <a:solidFill>
@@ -2149,7 +2149,7 @@
                 <a:latin typeface="Calibri"/>
               </a:rPr>
               <a:pPr/>
-              <a:t>26/02/16</a:t>
+              <a:t>27/02/16</a:t>
             </a:fld>
             <a:endParaRPr lang="en-US">
               <a:solidFill>
@@ -2281,7 +2281,7 @@
                 <a:latin typeface="Calibri"/>
               </a:rPr>
               <a:pPr/>
-              <a:t>26/02/16</a:t>
+              <a:t>27/02/16</a:t>
             </a:fld>
             <a:endParaRPr lang="en-US">
               <a:solidFill>
@@ -2595,7 +2595,7 @@
                 <a:latin typeface="Calibri"/>
               </a:rPr>
               <a:pPr/>
-              <a:t>26/02/16</a:t>
+              <a:t>27/02/16</a:t>
             </a:fld>
             <a:endParaRPr lang="en-US">
               <a:solidFill>
@@ -2885,7 +2885,7 @@
                 <a:latin typeface="Calibri"/>
               </a:rPr>
               <a:pPr/>
-              <a:t>26/02/16</a:t>
+              <a:t>27/02/16</a:t>
             </a:fld>
             <a:endParaRPr lang="en-US">
               <a:solidFill>
@@ -3138,7 +3138,7 @@
                 <a:latin typeface="Calibri"/>
               </a:rPr>
               <a:pPr/>
-              <a:t>26/02/16</a:t>
+              <a:t>27/02/16</a:t>
             </a:fld>
             <a:endParaRPr lang="en-US">
               <a:solidFill>
@@ -3614,17 +3614,21 @@
           <a:lstStyle/>
           <a:p>
             <a:r>
-              <a:rPr lang="en-US" sz="3600" b="1" dirty="0" err="1" smtClean="0">
+              <a:rPr lang="en-US" sz="3600" dirty="0" err="1" smtClean="0">
                 <a:solidFill>
                   <a:srgbClr val="FED10B"/>
                 </a:solidFill>
+                <a:latin typeface="Arial"/>
+                <a:cs typeface="Arial"/>
               </a:rPr>
               <a:t>Bhajan</a:t>
             </a:r>
-            <a:endParaRPr lang="en-US" sz="3600" b="1" dirty="0">
+            <a:endParaRPr lang="en-US" sz="3600" dirty="0">
               <a:solidFill>
                 <a:srgbClr val="FED10B"/>
               </a:solidFill>
+              <a:latin typeface="Arial"/>
+              <a:cs typeface="Arial"/>
             </a:endParaRPr>
           </a:p>
         </p:txBody>
@@ -3652,10 +3656,12 @@
           <a:lstStyle/>
           <a:p>
             <a:r>
-              <a:rPr lang="en-US" sz="1800" b="1" i="1" dirty="0" smtClean="0">
+              <a:rPr lang="en-US" sz="1800" dirty="0" smtClean="0">
                 <a:solidFill>
                   <a:srgbClr val="B3B3B3"/>
                 </a:solidFill>
+                <a:latin typeface="Arial"/>
+                <a:cs typeface="Arial"/>
               </a:rPr>
               <a:t>Meaning</a:t>
             </a:r>
@@ -3684,7 +3690,7 @@
         </p:blipFill>
         <p:spPr>
           <a:xfrm>
-            <a:off x="47447" y="109829"/>
+            <a:off x="47447" y="60344"/>
             <a:ext cx="1418487" cy="1424252"/>
           </a:xfrm>
           <a:prstGeom prst="rect">
@@ -3714,7 +3720,7 @@
         </p:blipFill>
         <p:spPr>
           <a:xfrm>
-            <a:off x="7794181" y="0"/>
+            <a:off x="7794181" y="32990"/>
             <a:ext cx="1333944" cy="1401109"/>
           </a:xfrm>
           <a:prstGeom prst="rect">
@@ -3730,7 +3736,7 @@
         </p:nvSpPr>
         <p:spPr>
           <a:xfrm>
-            <a:off x="22225" y="6660775"/>
+            <a:off x="22225" y="6545310"/>
             <a:ext cx="2994025" cy="400050"/>
           </a:xfrm>
           <a:prstGeom prst="rect">
@@ -3742,17 +3748,17 @@
           <a:lstStyle/>
           <a:p>
             <a:r>
-              <a:rPr lang="en-US" b="1" dirty="0" smtClean="0">
-                <a:solidFill>
-                  <a:srgbClr val="FED10B"/>
+              <a:rPr lang="en-US" dirty="0" smtClean="0">
+                <a:solidFill>
+                  <a:srgbClr val="FFFFFF"/>
                 </a:solidFill>
                 <a:latin typeface="Arial"/>
               </a:rPr>
               <a:t>Scale</a:t>
             </a:r>
-            <a:endParaRPr lang="en-US" b="1" dirty="0">
+            <a:endParaRPr lang="en-US" dirty="0">
               <a:solidFill>
-                <a:srgbClr val="FED10B"/>
+                <a:srgbClr val="FFFFFF"/>
               </a:solidFill>
               <a:latin typeface="Arial"/>
             </a:endParaRPr>
@@ -3767,7 +3773,7 @@
         </p:nvSpPr>
         <p:spPr>
           <a:xfrm>
-            <a:off x="7397750" y="6660775"/>
+            <a:off x="7397750" y="6545310"/>
             <a:ext cx="1676400" cy="400050"/>
           </a:xfrm>
           <a:prstGeom prst="rect">
@@ -3779,17 +3785,17 @@
           <a:lstStyle/>
           <a:p>
             <a:r>
-              <a:rPr lang="en-US" b="1" dirty="0" err="1">
-                <a:solidFill>
-                  <a:srgbClr val="FED10B"/>
+              <a:rPr lang="en-US" dirty="0" err="1">
+                <a:solidFill>
+                  <a:srgbClr val="FFFFFF"/>
                 </a:solidFill>
                 <a:latin typeface="Arial"/>
               </a:rPr>
               <a:t>NextScale</a:t>
             </a:r>
-            <a:endParaRPr lang="en-US" b="1" dirty="0">
+            <a:endParaRPr lang="en-US" dirty="0">
               <a:solidFill>
-                <a:srgbClr val="FED10B"/>
+                <a:srgbClr val="FFFFFF"/>
               </a:solidFill>
               <a:latin typeface="Arial"/>
             </a:endParaRPr>
@@ -3804,7 +3810,7 @@
         </p:nvSpPr>
         <p:spPr>
           <a:xfrm>
-            <a:off x="2063750" y="6660775"/>
+            <a:off x="2063750" y="6545310"/>
             <a:ext cx="5334000" cy="400050"/>
           </a:xfrm>
           <a:prstGeom prst="rect">
@@ -3817,17 +3823,17 @@
           <a:p>
             <a:pPr algn="ctr"/>
             <a:r>
-              <a:rPr lang="en-US" b="1" dirty="0" err="1">
-                <a:solidFill>
-                  <a:srgbClr val="FED10B"/>
+              <a:rPr lang="en-US" dirty="0" err="1">
+                <a:solidFill>
+                  <a:srgbClr val="FFFFFF"/>
                 </a:solidFill>
                 <a:latin typeface="Arial"/>
               </a:rPr>
               <a:t>NextBhajan</a:t>
             </a:r>
-            <a:endParaRPr lang="en-US" b="1" dirty="0">
+            <a:endParaRPr lang="en-US" dirty="0">
               <a:solidFill>
-                <a:srgbClr val="FED10B"/>
+                <a:srgbClr val="FFFFFF"/>
               </a:solidFill>
               <a:latin typeface="Arial"/>
             </a:endParaRPr>
@@ -3842,8 +3848,8 @@
         </p:nvSpPr>
         <p:spPr>
           <a:xfrm>
-            <a:off x="1333500" y="63500"/>
-            <a:ext cx="6318250" cy="769441"/>
+            <a:off x="1220569" y="508865"/>
+            <a:ext cx="6777555" cy="400110"/>
           </a:xfrm>
           <a:prstGeom prst="rect">
             <a:avLst/>
@@ -3861,47 +3867,24 @@
           <a:p>
             <a:pPr algn="ctr"/>
             <a:r>
-              <a:rPr lang="en-US" sz="2200" dirty="0">
-                <a:solidFill>
-                  <a:srgbClr val="B3B3B3"/>
+              <a:rPr lang="en-US" sz="2000" dirty="0" smtClean="0">
+                <a:solidFill>
+                  <a:srgbClr val="FFFFFF"/>
                 </a:solidFill>
                 <a:latin typeface="Monotype Corsiva"/>
                 <a:cs typeface="Monotype Corsiva"/>
               </a:rPr>
-              <a:t>Burn your </a:t>
-            </a:r>
-            <a:r>
-              <a:rPr lang="en-US" sz="2200" dirty="0" err="1">
-                <a:solidFill>
-                  <a:srgbClr val="B3B3B3"/>
+              <a:t>Shiva </a:t>
+            </a:r>
+            <a:r>
+              <a:rPr lang="en-US" sz="2000" dirty="0">
+                <a:solidFill>
+                  <a:srgbClr val="FFFFFF"/>
                 </a:solidFill>
                 <a:latin typeface="Monotype Corsiva"/>
                 <a:cs typeface="Monotype Corsiva"/>
               </a:rPr>
-              <a:t>viles</a:t>
-            </a:r>
-            <a:r>
-              <a:rPr lang="en-US" sz="2200" dirty="0">
-                <a:solidFill>
-                  <a:srgbClr val="B3B3B3"/>
-                </a:solidFill>
-                <a:latin typeface="Monotype Corsiva"/>
-                <a:cs typeface="Monotype Corsiva"/>
-              </a:rPr>
-              <a:t>, your vices, your bad habits; worship Shiva, </a:t>
-            </a:r>
-          </a:p>
-          <a:p>
-            <a:pPr algn="ctr"/>
-            <a:r>
-              <a:rPr lang="en-US" sz="2200" dirty="0">
-                <a:solidFill>
-                  <a:srgbClr val="B3B3B3"/>
-                </a:solidFill>
-                <a:latin typeface="Monotype Corsiva"/>
-                <a:cs typeface="Monotype Corsiva"/>
-              </a:rPr>
-              <a:t>rendering yourselves pure in thought and word and deed.</a:t>
+              <a:t>is inherent in every thought, word and deed, for He is the energy</a:t>
             </a:r>
           </a:p>
         </p:txBody>
